--- a/AssicuraMe.pptx
+++ b/AssicuraMe.pptx
@@ -106,6 +106,11 @@
       </a:defRPr>
     </a:lvl9pPr>
   </p:defaultTextStyle>
+  <p:extLst>
+    <p:ext uri="{EFAFB233-063F-42B5-8137-9DF3F51BA10A}">
+      <p15:sldGuideLst xmlns:p15="http://schemas.microsoft.com/office/powerpoint/2012/main"/>
+    </p:ext>
+  </p:extLst>
 </p:presentation>
 </file>
 
@@ -256,7 +261,7 @@
           <a:p>
             <a:fld id="{8ECC6C53-6473-4EAA-BFEE-8C18721F0AF3}" type="datetimeFigureOut">
               <a:rPr lang="it-IT" smtClean="0"/>
-              <a:t>12/11/2024</a:t>
+              <a:t>13/11/2024</a:t>
             </a:fld>
             <a:endParaRPr lang="it-IT"/>
           </a:p>
@@ -454,7 +459,7 @@
           <a:p>
             <a:fld id="{8ECC6C53-6473-4EAA-BFEE-8C18721F0AF3}" type="datetimeFigureOut">
               <a:rPr lang="it-IT" smtClean="0"/>
-              <a:t>12/11/2024</a:t>
+              <a:t>13/11/2024</a:t>
             </a:fld>
             <a:endParaRPr lang="it-IT"/>
           </a:p>
@@ -662,7 +667,7 @@
           <a:p>
             <a:fld id="{8ECC6C53-6473-4EAA-BFEE-8C18721F0AF3}" type="datetimeFigureOut">
               <a:rPr lang="it-IT" smtClean="0"/>
-              <a:t>12/11/2024</a:t>
+              <a:t>13/11/2024</a:t>
             </a:fld>
             <a:endParaRPr lang="it-IT"/>
           </a:p>
@@ -860,7 +865,7 @@
           <a:p>
             <a:fld id="{8ECC6C53-6473-4EAA-BFEE-8C18721F0AF3}" type="datetimeFigureOut">
               <a:rPr lang="it-IT" smtClean="0"/>
-              <a:t>12/11/2024</a:t>
+              <a:t>13/11/2024</a:t>
             </a:fld>
             <a:endParaRPr lang="it-IT"/>
           </a:p>
@@ -1135,7 +1140,7 @@
           <a:p>
             <a:fld id="{8ECC6C53-6473-4EAA-BFEE-8C18721F0AF3}" type="datetimeFigureOut">
               <a:rPr lang="it-IT" smtClean="0"/>
-              <a:t>12/11/2024</a:t>
+              <a:t>13/11/2024</a:t>
             </a:fld>
             <a:endParaRPr lang="it-IT"/>
           </a:p>
@@ -1400,7 +1405,7 @@
           <a:p>
             <a:fld id="{8ECC6C53-6473-4EAA-BFEE-8C18721F0AF3}" type="datetimeFigureOut">
               <a:rPr lang="it-IT" smtClean="0"/>
-              <a:t>12/11/2024</a:t>
+              <a:t>13/11/2024</a:t>
             </a:fld>
             <a:endParaRPr lang="it-IT"/>
           </a:p>
@@ -1812,7 +1817,7 @@
           <a:p>
             <a:fld id="{8ECC6C53-6473-4EAA-BFEE-8C18721F0AF3}" type="datetimeFigureOut">
               <a:rPr lang="it-IT" smtClean="0"/>
-              <a:t>12/11/2024</a:t>
+              <a:t>13/11/2024</a:t>
             </a:fld>
             <a:endParaRPr lang="it-IT"/>
           </a:p>
@@ -1953,7 +1958,7 @@
           <a:p>
             <a:fld id="{8ECC6C53-6473-4EAA-BFEE-8C18721F0AF3}" type="datetimeFigureOut">
               <a:rPr lang="it-IT" smtClean="0"/>
-              <a:t>12/11/2024</a:t>
+              <a:t>13/11/2024</a:t>
             </a:fld>
             <a:endParaRPr lang="it-IT"/>
           </a:p>
@@ -2066,7 +2071,7 @@
           <a:p>
             <a:fld id="{8ECC6C53-6473-4EAA-BFEE-8C18721F0AF3}" type="datetimeFigureOut">
               <a:rPr lang="it-IT" smtClean="0"/>
-              <a:t>12/11/2024</a:t>
+              <a:t>13/11/2024</a:t>
             </a:fld>
             <a:endParaRPr lang="it-IT"/>
           </a:p>
@@ -2377,7 +2382,7 @@
           <a:p>
             <a:fld id="{8ECC6C53-6473-4EAA-BFEE-8C18721F0AF3}" type="datetimeFigureOut">
               <a:rPr lang="it-IT" smtClean="0"/>
-              <a:t>12/11/2024</a:t>
+              <a:t>13/11/2024</a:t>
             </a:fld>
             <a:endParaRPr lang="it-IT"/>
           </a:p>
@@ -2665,7 +2670,7 @@
           <a:p>
             <a:fld id="{8ECC6C53-6473-4EAA-BFEE-8C18721F0AF3}" type="datetimeFigureOut">
               <a:rPr lang="it-IT" smtClean="0"/>
-              <a:t>12/11/2024</a:t>
+              <a:t>13/11/2024</a:t>
             </a:fld>
             <a:endParaRPr lang="it-IT"/>
           </a:p>
@@ -2906,7 +2911,7 @@
           <a:p>
             <a:fld id="{8ECC6C53-6473-4EAA-BFEE-8C18721F0AF3}" type="datetimeFigureOut">
               <a:rPr lang="it-IT" smtClean="0"/>
-              <a:t>12/11/2024</a:t>
+              <a:t>13/11/2024</a:t>
             </a:fld>
             <a:endParaRPr lang="it-IT"/>
           </a:p>
@@ -3421,9 +3426,10 @@
           <a:p>
             <a:pPr algn="l"/>
             <a:r>
-              <a:rPr lang="it-IT" sz="4400"/>
+              <a:rPr lang="it-IT" sz="4400" dirty="0" err="1"/>
               <a:t>AssicuraMe</a:t>
             </a:r>
+            <a:endParaRPr lang="it-IT" sz="4400" dirty="0"/>
           </a:p>
         </p:txBody>
       </p:sp>
@@ -3457,7 +3463,7 @@
           <a:p>
             <a:pPr algn="l"/>
             <a:r>
-              <a:rPr lang="it-IT"/>
+              <a:rPr lang="it-IT" dirty="0"/>
               <a:t>un tocco personale, come se l’app “parlasse” all’utente.</a:t>
             </a:r>
           </a:p>
@@ -3962,6 +3968,66 @@
           </a:custGeom>
         </p:spPr>
       </p:pic>
+      <p:sp>
+        <p:nvSpPr>
+          <p:cNvPr id="5" name="CasellaDiTesto 4">
+            <a:extLst>
+              <a:ext uri="{FF2B5EF4-FFF2-40B4-BE49-F238E27FC236}">
+                <a16:creationId xmlns:a16="http://schemas.microsoft.com/office/drawing/2014/main" id="{D7196398-C5A2-B86C-7F60-D263FD0D03F7}"/>
+              </a:ext>
+            </a:extLst>
+          </p:cNvPr>
+          <p:cNvSpPr txBox="1"/>
+          <p:nvPr/>
+        </p:nvSpPr>
+        <p:spPr>
+          <a:xfrm>
+            <a:off x="-3048" y="0"/>
+            <a:ext cx="4827864" cy="769441"/>
+          </a:xfrm>
+          <a:prstGeom prst="rect">
+            <a:avLst/>
+          </a:prstGeom>
+          <a:noFill/>
+        </p:spPr>
+        <p:txBody>
+          <a:bodyPr wrap="square" rtlCol="0">
+            <a:spAutoFit/>
+          </a:bodyPr>
+          <a:lstStyle/>
+          <a:p>
+            <a:r>
+              <a:rPr lang="it-IT" sz="1100" dirty="0"/>
+              <a:t>Luigi pappa 0124002649</a:t>
+            </a:r>
+          </a:p>
+          <a:p>
+            <a:r>
+              <a:rPr lang="it-IT" sz="1100" dirty="0"/>
+              <a:t>Rosa Papa  0124002795</a:t>
+            </a:r>
+          </a:p>
+          <a:p>
+            <a:r>
+              <a:rPr lang="it-IT" sz="1100" dirty="0"/>
+              <a:t>Pasquale Marzocchi 0124001891</a:t>
+            </a:r>
+          </a:p>
+          <a:p>
+            <a:r>
+              <a:rPr lang="it-IT" sz="1100" dirty="0"/>
+              <a:t>Link GitHub: </a:t>
+            </a:r>
+            <a:r>
+              <a:rPr lang="it-IT" sz="1100" dirty="0">
+                <a:hlinkClick r:id="rId3"/>
+              </a:rPr>
+              <a:t>https://github.com/Progetti-Universita/tech_web.git</a:t>
+            </a:r>
+            <a:endParaRPr lang="it-IT" sz="1100" dirty="0"/>
+          </a:p>
+        </p:txBody>
+      </p:sp>
     </p:spTree>
     <p:extLst>
       <p:ext uri="{BB962C8B-B14F-4D97-AF65-F5344CB8AC3E}">
@@ -4079,7 +4145,7 @@
         <p:spPr>
           <a:xfrm>
             <a:off x="630936" y="640080"/>
-            <a:ext cx="4818888" cy="1481328"/>
+            <a:ext cx="4768754" cy="1493624"/>
           </a:xfrm>
         </p:spPr>
         <p:txBody>
@@ -4089,7 +4155,7 @@
           <a:lstStyle/>
           <a:p>
             <a:r>
-              <a:rPr lang="it-IT" sz="5000"/>
+              <a:rPr lang="it-IT" sz="5000" dirty="0"/>
               <a:t>Obiettivo del progetto:</a:t>
             </a:r>
           </a:p>
@@ -4386,20 +4452,386 @@
         </p:nvSpPr>
         <p:spPr>
           <a:xfrm>
-            <a:off x="630936" y="2660904"/>
-            <a:ext cx="4818888" cy="3547872"/>
+            <a:off x="630936" y="2469825"/>
+            <a:ext cx="6305892" cy="3851279"/>
           </a:xfrm>
         </p:spPr>
         <p:txBody>
           <a:bodyPr anchor="t">
-            <a:normAutofit/>
+            <a:normAutofit fontScale="25000" lnSpcReduction="20000"/>
           </a:bodyPr>
           <a:lstStyle/>
           <a:p>
             <a:r>
-              <a:rPr lang="it-IT" sz="1400" dirty="0"/>
-              <a:t>Creare un sito web responsivo e interattivo per un'agenzia di assicurazioni auto, utilizzando le tecnologie moderne di sviluppo web, in particolare HTML5, per fornire agli utenti un'esperienza fluida e sicura nella scelta e gestione delle proprie polizze auto , il sito è progettato per adattarsi a qualsiasi dispositivo (desktop, tablet , smartphone).L’interfaccia è semplice e user friendly, che permette agli utenti di navigare facilmente tra le varie sezioni . Gli  utenti possono richiedere un preventivo inserendo pochi dati come(tipo auto, età conducente, storico di guida),possono loggarsi per consultare le polizze attive, rinnovare le polizze , richiedere assistenza e scaricare documenti. Il sito utilizza il protocollo HTTPS per garantire sicurezza per le transazioni ,garantire sicurezza tra il browser ed il server e proteggere i dati personali ‘come le modalità di pagamento’.  Il sito sarà ottimizzato per i motori di ricerca  così da renderlo facilmente rintracciabile online.</a:t>
-            </a:r>
+              <a:rPr lang="it-IT" sz="4400" dirty="0"/>
+              <a:t>Creare un sito web responsivo e interattivo per un'agenzia di assicurazioni auto, utilizzando le tecnologie moderne di sviluppo web, in particolare HTML, per fornire agli utenti un'esperienza fluida e sicura nella scelta e gestione delle proprie polizze auto , il sito è progettato per adattarsi a qualsiasi dispositivo (desktop, tablet , smartphone).L’interfaccia è semplice e user friendly, che permette agli utenti di navigare facilmente tra le varie sezioni . Gli  utenti possono richiedere un preventivo inserendo pochi dati come(tipo auto, età conducente, storico di guida),possono loggarsi per consultare le polizze attive, rinnovare le polizze , richiedere assistenza e scaricare documenti. Il sito utilizza </a:t>
+            </a:r>
+            <a:r>
+              <a:rPr lang="it-IT" sz="4400" dirty="0" err="1"/>
+              <a:t>Pyton</a:t>
+            </a:r>
+            <a:r>
+              <a:rPr lang="it-IT" sz="4400" dirty="0"/>
+              <a:t> per garantire sicurezza per le transazioni ,garantire sicurezza tra il browser ed il server e proteggere i dati personali ‘come le modalità di pagamento’.  Il sito sarà ottimizzato per i motori di ricerca  così da renderlo facilmente rintracciabile online.</a:t>
+            </a:r>
+          </a:p>
+          <a:p>
+            <a:pPr>
+              <a:lnSpc>
+                <a:spcPct val="115000"/>
+              </a:lnSpc>
+              <a:spcAft>
+                <a:spcPts val="800"/>
+              </a:spcAft>
+            </a:pPr>
+            <a:r>
+              <a:rPr lang="it-IT" sz="4400" kern="100" dirty="0" err="1">
+                <a:latin typeface="Aptos" panose="020B0004020202020204" pitchFamily="34" charset="0"/>
+                <a:ea typeface="Aptos" panose="020B0004020202020204" pitchFamily="34" charset="0"/>
+                <a:cs typeface="Times New Roman" panose="02020603050405020304" pitchFamily="18" charset="0"/>
+              </a:rPr>
+              <a:t>Frontedend</a:t>
+            </a:r>
+            <a:r>
+              <a:rPr lang="it-IT" sz="4400" kern="100" dirty="0">
+                <a:latin typeface="Aptos" panose="020B0004020202020204" pitchFamily="34" charset="0"/>
+                <a:ea typeface="Aptos" panose="020B0004020202020204" pitchFamily="34" charset="0"/>
+                <a:cs typeface="Times New Roman" panose="02020603050405020304" pitchFamily="18" charset="0"/>
+              </a:rPr>
+              <a:t>  </a:t>
+            </a:r>
+            <a:r>
+              <a:rPr lang="it-IT" sz="4400" kern="100" dirty="0" err="1">
+                <a:effectLst/>
+                <a:latin typeface="Aptos" panose="020B0004020202020204" pitchFamily="34" charset="0"/>
+                <a:ea typeface="Aptos" panose="020B0004020202020204" pitchFamily="34" charset="0"/>
+                <a:cs typeface="Times New Roman" panose="02020603050405020304" pitchFamily="18" charset="0"/>
+              </a:rPr>
+              <a:t>HTML</a:t>
+            </a:r>
+            <a:r>
+              <a:rPr lang="it-IT" sz="4400" kern="100" dirty="0" err="1">
+                <a:latin typeface="Aptos" panose="020B0004020202020204" pitchFamily="34" charset="0"/>
+                <a:ea typeface="Aptos" panose="020B0004020202020204" pitchFamily="34" charset="0"/>
+                <a:cs typeface="Times New Roman" panose="02020603050405020304" pitchFamily="18" charset="0"/>
+              </a:rPr>
+              <a:t>,CSS,JavaScrip</a:t>
+            </a:r>
+            <a:r>
+              <a:rPr lang="it-IT" sz="4400" kern="100" dirty="0">
+                <a:latin typeface="Aptos" panose="020B0004020202020204" pitchFamily="34" charset="0"/>
+                <a:ea typeface="Aptos" panose="020B0004020202020204" pitchFamily="34" charset="0"/>
+                <a:cs typeface="Times New Roman" panose="02020603050405020304" pitchFamily="18" charset="0"/>
+              </a:rPr>
+              <a:t> </a:t>
+            </a:r>
+          </a:p>
+          <a:p>
+            <a:pPr>
+              <a:lnSpc>
+                <a:spcPct val="115000"/>
+              </a:lnSpc>
+              <a:spcAft>
+                <a:spcPts val="800"/>
+              </a:spcAft>
+            </a:pPr>
+            <a:r>
+              <a:rPr lang="it-IT" sz="4400" kern="100" dirty="0">
+                <a:latin typeface="Aptos" panose="020B0004020202020204" pitchFamily="34" charset="0"/>
+                <a:ea typeface="Aptos" panose="020B0004020202020204" pitchFamily="34" charset="0"/>
+                <a:cs typeface="Times New Roman" panose="02020603050405020304" pitchFamily="18" charset="0"/>
+              </a:rPr>
+              <a:t>HTML per  la struttura del sito</a:t>
+            </a:r>
+          </a:p>
+          <a:p>
+            <a:pPr>
+              <a:lnSpc>
+                <a:spcPct val="115000"/>
+              </a:lnSpc>
+              <a:spcAft>
+                <a:spcPts val="800"/>
+              </a:spcAft>
+            </a:pPr>
+            <a:r>
+              <a:rPr lang="it-IT" sz="4400" kern="100" dirty="0">
+                <a:latin typeface="Aptos" panose="020B0004020202020204" pitchFamily="34" charset="0"/>
+                <a:ea typeface="Aptos" panose="020B0004020202020204" pitchFamily="34" charset="0"/>
+                <a:cs typeface="Times New Roman" panose="02020603050405020304" pitchFamily="18" charset="0"/>
+              </a:rPr>
+              <a:t>CSS per lo stile e la rappresentazione visiva</a:t>
+            </a:r>
+          </a:p>
+          <a:p>
+            <a:pPr>
+              <a:lnSpc>
+                <a:spcPct val="115000"/>
+              </a:lnSpc>
+              <a:spcAft>
+                <a:spcPts val="800"/>
+              </a:spcAft>
+            </a:pPr>
+            <a:r>
+              <a:rPr lang="it-IT" sz="4400" kern="100" dirty="0">
+                <a:latin typeface="Aptos" panose="020B0004020202020204" pitchFamily="34" charset="0"/>
+                <a:ea typeface="Aptos" panose="020B0004020202020204" pitchFamily="34" charset="0"/>
+                <a:cs typeface="Times New Roman" panose="02020603050405020304" pitchFamily="18" charset="0"/>
+              </a:rPr>
+              <a:t>JavaScript per l’interattività(come </a:t>
+            </a:r>
+            <a:r>
+              <a:rPr lang="it-IT" sz="4400" kern="100" dirty="0" err="1">
+                <a:latin typeface="Aptos" panose="020B0004020202020204" pitchFamily="34" charset="0"/>
+                <a:ea typeface="Aptos" panose="020B0004020202020204" pitchFamily="34" charset="0"/>
+                <a:cs typeface="Times New Roman" panose="02020603050405020304" pitchFamily="18" charset="0"/>
+              </a:rPr>
+              <a:t>calcoratori</a:t>
+            </a:r>
+            <a:r>
+              <a:rPr lang="it-IT" sz="4400" kern="100" dirty="0">
+                <a:latin typeface="Aptos" panose="020B0004020202020204" pitchFamily="34" charset="0"/>
+                <a:ea typeface="Aptos" panose="020B0004020202020204" pitchFamily="34" charset="0"/>
+                <a:cs typeface="Times New Roman" panose="02020603050405020304" pitchFamily="18" charset="0"/>
+              </a:rPr>
+              <a:t> di preventivo e validazione del modulo)</a:t>
+            </a:r>
+          </a:p>
+          <a:p>
+            <a:pPr>
+              <a:lnSpc>
+                <a:spcPct val="115000"/>
+              </a:lnSpc>
+              <a:spcAft>
+                <a:spcPts val="800"/>
+              </a:spcAft>
+            </a:pPr>
+            <a:r>
+              <a:rPr lang="it-IT" sz="4400" kern="100" dirty="0" err="1">
+                <a:latin typeface="Aptos" panose="020B0004020202020204" pitchFamily="34" charset="0"/>
+                <a:ea typeface="Aptos" panose="020B0004020202020204" pitchFamily="34" charset="0"/>
+                <a:cs typeface="Times New Roman" panose="02020603050405020304" pitchFamily="18" charset="0"/>
+              </a:rPr>
+              <a:t>Beckend</a:t>
+            </a:r>
+            <a:r>
+              <a:rPr lang="it-IT" sz="4400" kern="100" dirty="0">
+                <a:latin typeface="Aptos" panose="020B0004020202020204" pitchFamily="34" charset="0"/>
+                <a:ea typeface="Aptos" panose="020B0004020202020204" pitchFamily="34" charset="0"/>
+                <a:cs typeface="Times New Roman" panose="02020603050405020304" pitchFamily="18" charset="0"/>
+              </a:rPr>
+              <a:t> :</a:t>
+            </a:r>
+            <a:r>
+              <a:rPr lang="it-IT" sz="4400" kern="100" dirty="0" err="1">
+                <a:latin typeface="Aptos" panose="020B0004020202020204" pitchFamily="34" charset="0"/>
+                <a:ea typeface="Aptos" panose="020B0004020202020204" pitchFamily="34" charset="0"/>
+                <a:cs typeface="Times New Roman" panose="02020603050405020304" pitchFamily="18" charset="0"/>
+              </a:rPr>
+              <a:t>Pyton</a:t>
+            </a:r>
+            <a:r>
+              <a:rPr lang="it-IT" sz="4400" kern="100">
+                <a:latin typeface="Aptos" panose="020B0004020202020204" pitchFamily="34" charset="0"/>
+                <a:ea typeface="Aptos" panose="020B0004020202020204" pitchFamily="34" charset="0"/>
+                <a:cs typeface="Times New Roman" panose="02020603050405020304" pitchFamily="18" charset="0"/>
+              </a:rPr>
+              <a:t>   sarà </a:t>
+            </a:r>
+            <a:r>
+              <a:rPr lang="it-IT" sz="4400" kern="100" dirty="0">
+                <a:latin typeface="Aptos" panose="020B0004020202020204" pitchFamily="34" charset="0"/>
+                <a:ea typeface="Aptos" panose="020B0004020202020204" pitchFamily="34" charset="0"/>
+                <a:cs typeface="Times New Roman" panose="02020603050405020304" pitchFamily="18" charset="0"/>
+              </a:rPr>
+              <a:t>la parte essenziale per gestire la logica del server l’autenticazione , gestione dati e le API per gestire il </a:t>
+            </a:r>
+            <a:r>
+              <a:rPr lang="it-IT" sz="4400" kern="100" dirty="0" err="1">
+                <a:latin typeface="Aptos" panose="020B0004020202020204" pitchFamily="34" charset="0"/>
+                <a:ea typeface="Aptos" panose="020B0004020202020204" pitchFamily="34" charset="0"/>
+                <a:cs typeface="Times New Roman" panose="02020603050405020304" pitchFamily="18" charset="0"/>
+              </a:rPr>
+              <a:t>Frontend</a:t>
+            </a:r>
+            <a:endParaRPr lang="it-IT" sz="4400" kern="100" dirty="0">
+              <a:latin typeface="Aptos" panose="020B0004020202020204" pitchFamily="34" charset="0"/>
+              <a:ea typeface="Aptos" panose="020B0004020202020204" pitchFamily="34" charset="0"/>
+              <a:cs typeface="Times New Roman" panose="02020603050405020304" pitchFamily="18" charset="0"/>
+            </a:endParaRPr>
+          </a:p>
+          <a:p>
+            <a:pPr>
+              <a:lnSpc>
+                <a:spcPct val="115000"/>
+              </a:lnSpc>
+              <a:spcAft>
+                <a:spcPts val="800"/>
+              </a:spcAft>
+            </a:pPr>
+            <a:r>
+              <a:rPr lang="it-IT" sz="4400" kern="100" dirty="0" err="1">
+                <a:latin typeface="Aptos" panose="020B0004020202020204" pitchFamily="34" charset="0"/>
+                <a:ea typeface="Aptos" panose="020B0004020202020204" pitchFamily="34" charset="0"/>
+                <a:cs typeface="Times New Roman" panose="02020603050405020304" pitchFamily="18" charset="0"/>
+              </a:rPr>
+              <a:t>Restful</a:t>
+            </a:r>
+            <a:r>
+              <a:rPr lang="it-IT" sz="4400" kern="100" dirty="0">
+                <a:latin typeface="Aptos" panose="020B0004020202020204" pitchFamily="34" charset="0"/>
+                <a:ea typeface="Aptos" panose="020B0004020202020204" pitchFamily="34" charset="0"/>
+                <a:cs typeface="Times New Roman" panose="02020603050405020304" pitchFamily="18" charset="0"/>
+              </a:rPr>
+              <a:t> API : Implementare API che il </a:t>
+            </a:r>
+            <a:r>
+              <a:rPr lang="it-IT" sz="4400" kern="100" dirty="0" err="1">
+                <a:latin typeface="Aptos" panose="020B0004020202020204" pitchFamily="34" charset="0"/>
+                <a:ea typeface="Aptos" panose="020B0004020202020204" pitchFamily="34" charset="0"/>
+                <a:cs typeface="Times New Roman" panose="02020603050405020304" pitchFamily="18" charset="0"/>
+              </a:rPr>
+              <a:t>FrontEnd</a:t>
+            </a:r>
+            <a:r>
+              <a:rPr lang="it-IT" sz="4400" kern="100" dirty="0">
+                <a:latin typeface="Aptos" panose="020B0004020202020204" pitchFamily="34" charset="0"/>
+                <a:ea typeface="Aptos" panose="020B0004020202020204" pitchFamily="34" charset="0"/>
+                <a:cs typeface="Times New Roman" panose="02020603050405020304" pitchFamily="18" charset="0"/>
+              </a:rPr>
+              <a:t> </a:t>
+            </a:r>
+            <a:r>
+              <a:rPr lang="it-IT" sz="4400" kern="100" dirty="0" err="1">
+                <a:latin typeface="Aptos" panose="020B0004020202020204" pitchFamily="34" charset="0"/>
+                <a:ea typeface="Aptos" panose="020B0004020202020204" pitchFamily="34" charset="0"/>
+                <a:cs typeface="Times New Roman" panose="02020603050405020304" pitchFamily="18" charset="0"/>
+              </a:rPr>
+              <a:t>utilizzera</a:t>
+            </a:r>
+            <a:r>
+              <a:rPr lang="it-IT" sz="4400" kern="100" dirty="0">
+                <a:latin typeface="Aptos" panose="020B0004020202020204" pitchFamily="34" charset="0"/>
+                <a:ea typeface="Aptos" panose="020B0004020202020204" pitchFamily="34" charset="0"/>
+                <a:cs typeface="Times New Roman" panose="02020603050405020304" pitchFamily="18" charset="0"/>
+              </a:rPr>
+              <a:t> per interagire con il </a:t>
+            </a:r>
+            <a:r>
+              <a:rPr lang="it-IT" sz="4400" kern="100" dirty="0" err="1">
+                <a:latin typeface="Aptos" panose="020B0004020202020204" pitchFamily="34" charset="0"/>
+                <a:ea typeface="Aptos" panose="020B0004020202020204" pitchFamily="34" charset="0"/>
+                <a:cs typeface="Times New Roman" panose="02020603050405020304" pitchFamily="18" charset="0"/>
+              </a:rPr>
+              <a:t>backend</a:t>
+            </a:r>
+            <a:r>
+              <a:rPr lang="it-IT" sz="4400" kern="100" dirty="0">
+                <a:latin typeface="Aptos" panose="020B0004020202020204" pitchFamily="34" charset="0"/>
+                <a:ea typeface="Aptos" panose="020B0004020202020204" pitchFamily="34" charset="0"/>
+                <a:cs typeface="Times New Roman" panose="02020603050405020304" pitchFamily="18" charset="0"/>
+              </a:rPr>
+              <a:t> (es  </a:t>
+            </a:r>
+            <a:r>
+              <a:rPr lang="it-IT" sz="4400" kern="100" dirty="0" err="1">
+                <a:latin typeface="Aptos" panose="020B0004020202020204" pitchFamily="34" charset="0"/>
+                <a:ea typeface="Aptos" panose="020B0004020202020204" pitchFamily="34" charset="0"/>
+                <a:cs typeface="Times New Roman" panose="02020603050405020304" pitchFamily="18" charset="0"/>
+              </a:rPr>
+              <a:t>modalita</a:t>
+            </a:r>
+            <a:r>
+              <a:rPr lang="it-IT" sz="4400" kern="100" dirty="0">
+                <a:latin typeface="Aptos" panose="020B0004020202020204" pitchFamily="34" charset="0"/>
+                <a:ea typeface="Aptos" panose="020B0004020202020204" pitchFamily="34" charset="0"/>
+                <a:cs typeface="Times New Roman" panose="02020603050405020304" pitchFamily="18" charset="0"/>
+              </a:rPr>
+              <a:t> di pagamento </a:t>
+            </a:r>
+            <a:r>
+              <a:rPr lang="it-IT" sz="4400" kern="100" dirty="0" err="1">
+                <a:latin typeface="Aptos" panose="020B0004020202020204" pitchFamily="34" charset="0"/>
+                <a:ea typeface="Aptos" panose="020B0004020202020204" pitchFamily="34" charset="0"/>
+                <a:cs typeface="Times New Roman" panose="02020603050405020304" pitchFamily="18" charset="0"/>
+              </a:rPr>
+              <a:t>paypal</a:t>
+            </a:r>
+            <a:r>
+              <a:rPr lang="it-IT" sz="4400" kern="100" dirty="0">
+                <a:latin typeface="Aptos" panose="020B0004020202020204" pitchFamily="34" charset="0"/>
+                <a:ea typeface="Aptos" panose="020B0004020202020204" pitchFamily="34" charset="0"/>
+                <a:cs typeface="Times New Roman" panose="02020603050405020304" pitchFamily="18" charset="0"/>
+              </a:rPr>
+              <a:t>, visa </a:t>
+            </a:r>
+            <a:r>
+              <a:rPr lang="it-IT" sz="4400" kern="100" dirty="0" err="1">
+                <a:latin typeface="Aptos" panose="020B0004020202020204" pitchFamily="34" charset="0"/>
+                <a:ea typeface="Aptos" panose="020B0004020202020204" pitchFamily="34" charset="0"/>
+                <a:cs typeface="Times New Roman" panose="02020603050405020304" pitchFamily="18" charset="0"/>
+              </a:rPr>
+              <a:t>ecc</a:t>
+            </a:r>
+            <a:r>
+              <a:rPr lang="it-IT" sz="4400" kern="100" dirty="0">
+                <a:latin typeface="Aptos" panose="020B0004020202020204" pitchFamily="34" charset="0"/>
+                <a:ea typeface="Aptos" panose="020B0004020202020204" pitchFamily="34" charset="0"/>
+                <a:cs typeface="Times New Roman" panose="02020603050405020304" pitchFamily="18" charset="0"/>
+              </a:rPr>
+              <a:t>)</a:t>
+            </a:r>
+          </a:p>
+          <a:p>
+            <a:pPr>
+              <a:lnSpc>
+                <a:spcPct val="115000"/>
+              </a:lnSpc>
+              <a:spcAft>
+                <a:spcPts val="800"/>
+              </a:spcAft>
+            </a:pPr>
+            <a:endParaRPr lang="it-IT" sz="4400" kern="100" dirty="0">
+              <a:latin typeface="Aptos" panose="020B0004020202020204" pitchFamily="34" charset="0"/>
+              <a:ea typeface="Aptos" panose="020B0004020202020204" pitchFamily="34" charset="0"/>
+              <a:cs typeface="Times New Roman" panose="02020603050405020304" pitchFamily="18" charset="0"/>
+            </a:endParaRPr>
+          </a:p>
+          <a:p>
+            <a:pPr>
+              <a:lnSpc>
+                <a:spcPct val="115000"/>
+              </a:lnSpc>
+              <a:spcAft>
+                <a:spcPts val="800"/>
+              </a:spcAft>
+            </a:pPr>
+            <a:endParaRPr lang="it-IT" sz="4400" kern="100" dirty="0">
+              <a:latin typeface="Aptos" panose="020B0004020202020204" pitchFamily="34" charset="0"/>
+              <a:ea typeface="Aptos" panose="020B0004020202020204" pitchFamily="34" charset="0"/>
+              <a:cs typeface="Times New Roman" panose="02020603050405020304" pitchFamily="18" charset="0"/>
+            </a:endParaRPr>
+          </a:p>
+          <a:p>
+            <a:pPr>
+              <a:lnSpc>
+                <a:spcPct val="115000"/>
+              </a:lnSpc>
+              <a:spcAft>
+                <a:spcPts val="800"/>
+              </a:spcAft>
+            </a:pPr>
+            <a:endParaRPr lang="it-IT" sz="3200" kern="100" dirty="0">
+              <a:effectLst/>
+              <a:latin typeface="Aptos" panose="020B0004020202020204" pitchFamily="34" charset="0"/>
+              <a:ea typeface="Aptos" panose="020B0004020202020204" pitchFamily="34" charset="0"/>
+              <a:cs typeface="Times New Roman" panose="02020603050405020304" pitchFamily="18" charset="0"/>
+            </a:endParaRPr>
+          </a:p>
+          <a:p>
+            <a:endParaRPr lang="it-IT" sz="1400" dirty="0"/>
+          </a:p>
+          <a:p>
+            <a:endParaRPr lang="it-IT" sz="1400" dirty="0"/>
           </a:p>
           <a:p>
             <a:endParaRPr lang="it-IT" sz="1400" dirty="0"/>

--- a/AssicuraMe.pptx
+++ b/AssicuraMe.pptx
@@ -4490,7 +4490,7 @@
                 <a:ea typeface="Aptos" panose="020B0004020202020204" pitchFamily="34" charset="0"/>
                 <a:cs typeface="Times New Roman" panose="02020603050405020304" pitchFamily="18" charset="0"/>
               </a:rPr>
-              <a:t>Frontedend</a:t>
+              <a:t>Frontend</a:t>
             </a:r>
             <a:r>
               <a:rPr lang="it-IT" sz="4400" kern="100" dirty="0">
@@ -4498,7 +4498,7 @@
                 <a:ea typeface="Aptos" panose="020B0004020202020204" pitchFamily="34" charset="0"/>
                 <a:cs typeface="Times New Roman" panose="02020603050405020304" pitchFamily="18" charset="0"/>
               </a:rPr>
-              <a:t>  </a:t>
+              <a:t>:  </a:t>
             </a:r>
             <a:r>
               <a:rPr lang="it-IT" sz="4400" kern="100" dirty="0" err="1">
@@ -4541,7 +4541,7 @@
                 <a:ea typeface="Aptos" panose="020B0004020202020204" pitchFamily="34" charset="0"/>
                 <a:cs typeface="Times New Roman" panose="02020603050405020304" pitchFamily="18" charset="0"/>
               </a:rPr>
-              <a:t>HTML per  la struttura del sito</a:t>
+              <a:t>HTML: per  la struttura del sito</a:t>
             </a:r>
           </a:p>
           <a:p>
@@ -4559,7 +4559,7 @@
                 <a:ea typeface="Aptos" panose="020B0004020202020204" pitchFamily="34" charset="0"/>
                 <a:cs typeface="Times New Roman" panose="02020603050405020304" pitchFamily="18" charset="0"/>
               </a:rPr>
-              <a:t>CSS per lo stile e la rappresentazione visiva</a:t>
+              <a:t>CSS: per lo stile e la rappresentazione visiva</a:t>
             </a:r>
           </a:p>
           <a:p>
@@ -4572,12 +4572,20 @@
               </a:spcAft>
             </a:pPr>
             <a:r>
+              <a:rPr lang="it-IT" sz="4400" kern="100">
+                <a:latin typeface="Aptos" panose="020B0004020202020204" pitchFamily="34" charset="0"/>
+                <a:ea typeface="Aptos" panose="020B0004020202020204" pitchFamily="34" charset="0"/>
+                <a:cs typeface="Times New Roman" panose="02020603050405020304" pitchFamily="18" charset="0"/>
+              </a:rPr>
+              <a:t>JavaScript: </a:t>
+            </a:r>
+            <a:r>
               <a:rPr lang="it-IT" sz="4400" kern="100" dirty="0">
                 <a:latin typeface="Aptos" panose="020B0004020202020204" pitchFamily="34" charset="0"/>
                 <a:ea typeface="Aptos" panose="020B0004020202020204" pitchFamily="34" charset="0"/>
                 <a:cs typeface="Times New Roman" panose="02020603050405020304" pitchFamily="18" charset="0"/>
               </a:rPr>
-              <a:t>JavaScript per l’interattività(come </a:t>
+              <a:t>per l’interattività(come </a:t>
             </a:r>
             <a:r>
               <a:rPr lang="it-IT" sz="4400" kern="100" dirty="0" err="1">
@@ -4630,20 +4638,12 @@
               <a:t>Pyton</a:t>
             </a:r>
             <a:r>
-              <a:rPr lang="it-IT" sz="4400" kern="100">
-                <a:latin typeface="Aptos" panose="020B0004020202020204" pitchFamily="34" charset="0"/>
-                <a:ea typeface="Aptos" panose="020B0004020202020204" pitchFamily="34" charset="0"/>
-                <a:cs typeface="Times New Roman" panose="02020603050405020304" pitchFamily="18" charset="0"/>
-              </a:rPr>
-              <a:t>   sarà </a:t>
-            </a:r>
-            <a:r>
               <a:rPr lang="it-IT" sz="4400" kern="100" dirty="0">
                 <a:latin typeface="Aptos" panose="020B0004020202020204" pitchFamily="34" charset="0"/>
                 <a:ea typeface="Aptos" panose="020B0004020202020204" pitchFamily="34" charset="0"/>
                 <a:cs typeface="Times New Roman" panose="02020603050405020304" pitchFamily="18" charset="0"/>
               </a:rPr>
-              <a:t>la parte essenziale per gestire la logica del server l’autenticazione , gestione dati e le API per gestire il </a:t>
+              <a:t>   sarà la parte essenziale per gestire la logica del server l’autenticazione , gestione dati e le API per gestire il </a:t>
             </a:r>
             <a:r>
               <a:rPr lang="it-IT" sz="4400" kern="100" dirty="0" err="1">
@@ -4690,7 +4690,7 @@
                 <a:ea typeface="Aptos" panose="020B0004020202020204" pitchFamily="34" charset="0"/>
                 <a:cs typeface="Times New Roman" panose="02020603050405020304" pitchFamily="18" charset="0"/>
               </a:rPr>
-              <a:t>FrontEnd</a:t>
+              <a:t>Frontend</a:t>
             </a:r>
             <a:r>
               <a:rPr lang="it-IT" sz="4400" kern="100" dirty="0">

--- a/AssicuraMe.pptx
+++ b/AssicuraMe.pptx
@@ -4145,12 +4145,12 @@
         <p:spPr>
           <a:xfrm>
             <a:off x="630936" y="640080"/>
-            <a:ext cx="4768754" cy="1493624"/>
+            <a:ext cx="4339963" cy="1452730"/>
           </a:xfrm>
         </p:spPr>
         <p:txBody>
           <a:bodyPr anchor="b">
-            <a:normAutofit/>
+            <a:normAutofit fontScale="90000"/>
           </a:bodyPr>
           <a:lstStyle/>
           <a:p>
@@ -4452,8 +4452,8 @@
         </p:nvSpPr>
         <p:spPr>
           <a:xfrm>
-            <a:off x="630936" y="2469825"/>
-            <a:ext cx="6305892" cy="3851279"/>
+            <a:off x="85917" y="2432807"/>
+            <a:ext cx="7763194" cy="3869802"/>
           </a:xfrm>
         </p:spPr>
         <p:txBody>
@@ -4572,20 +4572,12 @@
               </a:spcAft>
             </a:pPr>
             <a:r>
-              <a:rPr lang="it-IT" sz="4400" kern="100">
-                <a:latin typeface="Aptos" panose="020B0004020202020204" pitchFamily="34" charset="0"/>
-                <a:ea typeface="Aptos" panose="020B0004020202020204" pitchFamily="34" charset="0"/>
-                <a:cs typeface="Times New Roman" panose="02020603050405020304" pitchFamily="18" charset="0"/>
-              </a:rPr>
-              <a:t>JavaScript: </a:t>
-            </a:r>
-            <a:r>
               <a:rPr lang="it-IT" sz="4400" kern="100" dirty="0">
                 <a:latin typeface="Aptos" panose="020B0004020202020204" pitchFamily="34" charset="0"/>
                 <a:ea typeface="Aptos" panose="020B0004020202020204" pitchFamily="34" charset="0"/>
                 <a:cs typeface="Times New Roman" panose="02020603050405020304" pitchFamily="18" charset="0"/>
               </a:rPr>
-              <a:t>per l’interattività(come </a:t>
+              <a:t>JavaScript: per l’interattività(come </a:t>
             </a:r>
             <a:r>
               <a:rPr lang="it-IT" sz="4400" kern="100" dirty="0" err="1">
@@ -4869,7 +4861,7 @@
         </p:blipFill>
         <p:spPr>
           <a:xfrm>
-            <a:off x="6099048" y="699516"/>
+            <a:off x="7131512" y="640080"/>
             <a:ext cx="5458968" cy="5458968"/>
           </a:xfrm>
           <a:prstGeom prst="rect">

--- a/AssicuraMe.pptx
+++ b/AssicuraMe.pptx
@@ -261,7 +261,7 @@
           <a:p>
             <a:fld id="{8ECC6C53-6473-4EAA-BFEE-8C18721F0AF3}" type="datetimeFigureOut">
               <a:rPr lang="it-IT" smtClean="0"/>
-              <a:t>13/11/2024</a:t>
+              <a:t>14/11/2024</a:t>
             </a:fld>
             <a:endParaRPr lang="it-IT"/>
           </a:p>
@@ -459,7 +459,7 @@
           <a:p>
             <a:fld id="{8ECC6C53-6473-4EAA-BFEE-8C18721F0AF3}" type="datetimeFigureOut">
               <a:rPr lang="it-IT" smtClean="0"/>
-              <a:t>13/11/2024</a:t>
+              <a:t>14/11/2024</a:t>
             </a:fld>
             <a:endParaRPr lang="it-IT"/>
           </a:p>
@@ -667,7 +667,7 @@
           <a:p>
             <a:fld id="{8ECC6C53-6473-4EAA-BFEE-8C18721F0AF3}" type="datetimeFigureOut">
               <a:rPr lang="it-IT" smtClean="0"/>
-              <a:t>13/11/2024</a:t>
+              <a:t>14/11/2024</a:t>
             </a:fld>
             <a:endParaRPr lang="it-IT"/>
           </a:p>
@@ -865,7 +865,7 @@
           <a:p>
             <a:fld id="{8ECC6C53-6473-4EAA-BFEE-8C18721F0AF3}" type="datetimeFigureOut">
               <a:rPr lang="it-IT" smtClean="0"/>
-              <a:t>13/11/2024</a:t>
+              <a:t>14/11/2024</a:t>
             </a:fld>
             <a:endParaRPr lang="it-IT"/>
           </a:p>
@@ -1140,7 +1140,7 @@
           <a:p>
             <a:fld id="{8ECC6C53-6473-4EAA-BFEE-8C18721F0AF3}" type="datetimeFigureOut">
               <a:rPr lang="it-IT" smtClean="0"/>
-              <a:t>13/11/2024</a:t>
+              <a:t>14/11/2024</a:t>
             </a:fld>
             <a:endParaRPr lang="it-IT"/>
           </a:p>
@@ -1405,7 +1405,7 @@
           <a:p>
             <a:fld id="{8ECC6C53-6473-4EAA-BFEE-8C18721F0AF3}" type="datetimeFigureOut">
               <a:rPr lang="it-IT" smtClean="0"/>
-              <a:t>13/11/2024</a:t>
+              <a:t>14/11/2024</a:t>
             </a:fld>
             <a:endParaRPr lang="it-IT"/>
           </a:p>
@@ -1817,7 +1817,7 @@
           <a:p>
             <a:fld id="{8ECC6C53-6473-4EAA-BFEE-8C18721F0AF3}" type="datetimeFigureOut">
               <a:rPr lang="it-IT" smtClean="0"/>
-              <a:t>13/11/2024</a:t>
+              <a:t>14/11/2024</a:t>
             </a:fld>
             <a:endParaRPr lang="it-IT"/>
           </a:p>
@@ -1958,7 +1958,7 @@
           <a:p>
             <a:fld id="{8ECC6C53-6473-4EAA-BFEE-8C18721F0AF3}" type="datetimeFigureOut">
               <a:rPr lang="it-IT" smtClean="0"/>
-              <a:t>13/11/2024</a:t>
+              <a:t>14/11/2024</a:t>
             </a:fld>
             <a:endParaRPr lang="it-IT"/>
           </a:p>
@@ -2071,7 +2071,7 @@
           <a:p>
             <a:fld id="{8ECC6C53-6473-4EAA-BFEE-8C18721F0AF3}" type="datetimeFigureOut">
               <a:rPr lang="it-IT" smtClean="0"/>
-              <a:t>13/11/2024</a:t>
+              <a:t>14/11/2024</a:t>
             </a:fld>
             <a:endParaRPr lang="it-IT"/>
           </a:p>
@@ -2382,7 +2382,7 @@
           <a:p>
             <a:fld id="{8ECC6C53-6473-4EAA-BFEE-8C18721F0AF3}" type="datetimeFigureOut">
               <a:rPr lang="it-IT" smtClean="0"/>
-              <a:t>13/11/2024</a:t>
+              <a:t>14/11/2024</a:t>
             </a:fld>
             <a:endParaRPr lang="it-IT"/>
           </a:p>
@@ -2670,7 +2670,7 @@
           <a:p>
             <a:fld id="{8ECC6C53-6473-4EAA-BFEE-8C18721F0AF3}" type="datetimeFigureOut">
               <a:rPr lang="it-IT" smtClean="0"/>
-              <a:t>13/11/2024</a:t>
+              <a:t>14/11/2024</a:t>
             </a:fld>
             <a:endParaRPr lang="it-IT"/>
           </a:p>
@@ -2911,7 +2911,7 @@
           <a:p>
             <a:fld id="{8ECC6C53-6473-4EAA-BFEE-8C18721F0AF3}" type="datetimeFigureOut">
               <a:rPr lang="it-IT" smtClean="0"/>
-              <a:t>13/11/2024</a:t>
+              <a:t>14/11/2024</a:t>
             </a:fld>
             <a:endParaRPr lang="it-IT"/>
           </a:p>
@@ -3998,7 +3998,7 @@
           <a:p>
             <a:r>
               <a:rPr lang="it-IT" sz="1100" dirty="0"/>
-              <a:t>Luigi pappa 0124002649</a:t>
+              <a:t>Luigi Pappa 0124002649</a:t>
             </a:r>
           </a:p>
           <a:p>
@@ -4463,15 +4463,15 @@
           <a:lstStyle/>
           <a:p>
             <a:r>
-              <a:rPr lang="it-IT" sz="4400" dirty="0"/>
+              <a:rPr lang="it-IT" sz="4800" dirty="0"/>
               <a:t>Creare un sito web responsivo e interattivo per un'agenzia di assicurazioni auto, utilizzando le tecnologie moderne di sviluppo web, in particolare HTML, per fornire agli utenti un'esperienza fluida e sicura nella scelta e gestione delle proprie polizze auto , il sito è progettato per adattarsi a qualsiasi dispositivo (desktop, tablet , smartphone).L’interfaccia è semplice e user friendly, che permette agli utenti di navigare facilmente tra le varie sezioni . Gli  utenti possono richiedere un preventivo inserendo pochi dati come(tipo auto, età conducente, storico di guida),possono loggarsi per consultare le polizze attive, rinnovare le polizze , richiedere assistenza e scaricare documenti. Il sito utilizza </a:t>
             </a:r>
             <a:r>
-              <a:rPr lang="it-IT" sz="4400" dirty="0" err="1"/>
+              <a:rPr lang="it-IT" sz="4800" dirty="0" err="1"/>
               <a:t>Pyton</a:t>
             </a:r>
             <a:r>
-              <a:rPr lang="it-IT" sz="4400" dirty="0"/>
+              <a:rPr lang="it-IT" sz="4800" dirty="0"/>
               <a:t> per garantire sicurezza per le transazioni ,garantire sicurezza tra il browser ed il server e proteggere i dati personali ‘come le modalità di pagamento’.  Il sito sarà ottimizzato per i motori di ricerca  così da renderlo facilmente rintracciabile online.</a:t>
             </a:r>
           </a:p>
@@ -4485,7 +4485,7 @@
               </a:spcAft>
             </a:pPr>
             <a:r>
-              <a:rPr lang="it-IT" sz="4400" kern="100" dirty="0" err="1">
+              <a:rPr lang="it-IT" sz="4800" kern="100" dirty="0" err="1">
                 <a:latin typeface="Aptos" panose="020B0004020202020204" pitchFamily="34" charset="0"/>
                 <a:ea typeface="Aptos" panose="020B0004020202020204" pitchFamily="34" charset="0"/>
                 <a:cs typeface="Times New Roman" panose="02020603050405020304" pitchFamily="18" charset="0"/>
@@ -4493,7 +4493,7 @@
               <a:t>Frontend</a:t>
             </a:r>
             <a:r>
-              <a:rPr lang="it-IT" sz="4400" kern="100" dirty="0">
+              <a:rPr lang="it-IT" sz="4800" kern="100" dirty="0">
                 <a:latin typeface="Aptos" panose="020B0004020202020204" pitchFamily="34" charset="0"/>
                 <a:ea typeface="Aptos" panose="020B0004020202020204" pitchFamily="34" charset="0"/>
                 <a:cs typeface="Times New Roman" panose="02020603050405020304" pitchFamily="18" charset="0"/>
@@ -4501,7 +4501,7 @@
               <a:t>:  </a:t>
             </a:r>
             <a:r>
-              <a:rPr lang="it-IT" sz="4400" kern="100" dirty="0" err="1">
+              <a:rPr lang="it-IT" sz="4800" kern="100" dirty="0" err="1">
                 <a:effectLst/>
                 <a:latin typeface="Aptos" panose="020B0004020202020204" pitchFamily="34" charset="0"/>
                 <a:ea typeface="Aptos" panose="020B0004020202020204" pitchFamily="34" charset="0"/>
@@ -4510,7 +4510,7 @@
               <a:t>HTML</a:t>
             </a:r>
             <a:r>
-              <a:rPr lang="it-IT" sz="4400" kern="100" dirty="0" err="1">
+              <a:rPr lang="it-IT" sz="4800" kern="100" dirty="0" err="1">
                 <a:latin typeface="Aptos" panose="020B0004020202020204" pitchFamily="34" charset="0"/>
                 <a:ea typeface="Aptos" panose="020B0004020202020204" pitchFamily="34" charset="0"/>
                 <a:cs typeface="Times New Roman" panose="02020603050405020304" pitchFamily="18" charset="0"/>
@@ -4518,7 +4518,7 @@
               <a:t>,CSS,JavaScrip</a:t>
             </a:r>
             <a:r>
-              <a:rPr lang="it-IT" sz="4400" kern="100" dirty="0">
+              <a:rPr lang="it-IT" sz="4800" kern="100" dirty="0">
                 <a:latin typeface="Aptos" panose="020B0004020202020204" pitchFamily="34" charset="0"/>
                 <a:ea typeface="Aptos" panose="020B0004020202020204" pitchFamily="34" charset="0"/>
                 <a:cs typeface="Times New Roman" panose="02020603050405020304" pitchFamily="18" charset="0"/>
@@ -4536,7 +4536,7 @@
               </a:spcAft>
             </a:pPr>
             <a:r>
-              <a:rPr lang="it-IT" sz="4400" kern="100" dirty="0">
+              <a:rPr lang="it-IT" sz="4800" kern="100" dirty="0">
                 <a:latin typeface="Aptos" panose="020B0004020202020204" pitchFamily="34" charset="0"/>
                 <a:ea typeface="Aptos" panose="020B0004020202020204" pitchFamily="34" charset="0"/>
                 <a:cs typeface="Times New Roman" panose="02020603050405020304" pitchFamily="18" charset="0"/>
@@ -4554,7 +4554,7 @@
               </a:spcAft>
             </a:pPr>
             <a:r>
-              <a:rPr lang="it-IT" sz="4400" kern="100" dirty="0">
+              <a:rPr lang="it-IT" sz="4800" kern="100" dirty="0">
                 <a:latin typeface="Aptos" panose="020B0004020202020204" pitchFamily="34" charset="0"/>
                 <a:ea typeface="Aptos" panose="020B0004020202020204" pitchFamily="34" charset="0"/>
                 <a:cs typeface="Times New Roman" panose="02020603050405020304" pitchFamily="18" charset="0"/>
@@ -4572,28 +4572,12 @@
               </a:spcAft>
             </a:pPr>
             <a:r>
-              <a:rPr lang="it-IT" sz="4400" kern="100" dirty="0">
+              <a:rPr lang="it-IT" sz="4800" kern="100" dirty="0">
                 <a:latin typeface="Aptos" panose="020B0004020202020204" pitchFamily="34" charset="0"/>
                 <a:ea typeface="Aptos" panose="020B0004020202020204" pitchFamily="34" charset="0"/>
                 <a:cs typeface="Times New Roman" panose="02020603050405020304" pitchFamily="18" charset="0"/>
               </a:rPr>
-              <a:t>JavaScript: per l’interattività(come </a:t>
-            </a:r>
-            <a:r>
-              <a:rPr lang="it-IT" sz="4400" kern="100" dirty="0" err="1">
-                <a:latin typeface="Aptos" panose="020B0004020202020204" pitchFamily="34" charset="0"/>
-                <a:ea typeface="Aptos" panose="020B0004020202020204" pitchFamily="34" charset="0"/>
-                <a:cs typeface="Times New Roman" panose="02020603050405020304" pitchFamily="18" charset="0"/>
-              </a:rPr>
-              <a:t>calcoratori</a:t>
-            </a:r>
-            <a:r>
-              <a:rPr lang="it-IT" sz="4400" kern="100" dirty="0">
-                <a:latin typeface="Aptos" panose="020B0004020202020204" pitchFamily="34" charset="0"/>
-                <a:ea typeface="Aptos" panose="020B0004020202020204" pitchFamily="34" charset="0"/>
-                <a:cs typeface="Times New Roman" panose="02020603050405020304" pitchFamily="18" charset="0"/>
-              </a:rPr>
-              <a:t> di preventivo e validazione del modulo)</a:t>
+              <a:t>JavaScript: per l’interattività (come calcolatori di preventivo e validazione del modulo)</a:t>
             </a:r>
           </a:p>
           <a:p>
@@ -4606,7 +4590,7 @@
               </a:spcAft>
             </a:pPr>
             <a:r>
-              <a:rPr lang="it-IT" sz="4400" kern="100" dirty="0" err="1">
+              <a:rPr lang="it-IT" sz="4800" kern="100" dirty="0" err="1">
                 <a:latin typeface="Aptos" panose="020B0004020202020204" pitchFamily="34" charset="0"/>
                 <a:ea typeface="Aptos" panose="020B0004020202020204" pitchFamily="34" charset="0"/>
                 <a:cs typeface="Times New Roman" panose="02020603050405020304" pitchFamily="18" charset="0"/>
@@ -4614,7 +4598,7 @@
               <a:t>Beckend</a:t>
             </a:r>
             <a:r>
-              <a:rPr lang="it-IT" sz="4400" kern="100" dirty="0">
+              <a:rPr lang="it-IT" sz="4800" kern="100" dirty="0">
                 <a:latin typeface="Aptos" panose="020B0004020202020204" pitchFamily="34" charset="0"/>
                 <a:ea typeface="Aptos" panose="020B0004020202020204" pitchFamily="34" charset="0"/>
                 <a:cs typeface="Times New Roman" panose="02020603050405020304" pitchFamily="18" charset="0"/>
@@ -4622,7 +4606,7 @@
               <a:t> :</a:t>
             </a:r>
             <a:r>
-              <a:rPr lang="it-IT" sz="4400" kern="100" dirty="0" err="1">
+              <a:rPr lang="it-IT" sz="4800" kern="100" dirty="0" err="1">
                 <a:latin typeface="Aptos" panose="020B0004020202020204" pitchFamily="34" charset="0"/>
                 <a:ea typeface="Aptos" panose="020B0004020202020204" pitchFamily="34" charset="0"/>
                 <a:cs typeface="Times New Roman" panose="02020603050405020304" pitchFamily="18" charset="0"/>
@@ -4630,7 +4614,7 @@
               <a:t>Pyton</a:t>
             </a:r>
             <a:r>
-              <a:rPr lang="it-IT" sz="4400" kern="100" dirty="0">
+              <a:rPr lang="it-IT" sz="4800" kern="100" dirty="0">
                 <a:latin typeface="Aptos" panose="020B0004020202020204" pitchFamily="34" charset="0"/>
                 <a:ea typeface="Aptos" panose="020B0004020202020204" pitchFamily="34" charset="0"/>
                 <a:cs typeface="Times New Roman" panose="02020603050405020304" pitchFamily="18" charset="0"/>
@@ -4638,14 +4622,14 @@
               <a:t>   sarà la parte essenziale per gestire la logica del server l’autenticazione , gestione dati e le API per gestire il </a:t>
             </a:r>
             <a:r>
-              <a:rPr lang="it-IT" sz="4400" kern="100" dirty="0" err="1">
+              <a:rPr lang="it-IT" sz="4800" kern="100" dirty="0" err="1">
                 <a:latin typeface="Aptos" panose="020B0004020202020204" pitchFamily="34" charset="0"/>
                 <a:ea typeface="Aptos" panose="020B0004020202020204" pitchFamily="34" charset="0"/>
                 <a:cs typeface="Times New Roman" panose="02020603050405020304" pitchFamily="18" charset="0"/>
               </a:rPr>
               <a:t>Frontend</a:t>
             </a:r>
-            <a:endParaRPr lang="it-IT" sz="4400" kern="100" dirty="0">
+            <a:endParaRPr lang="it-IT" sz="4800" kern="100" dirty="0">
               <a:latin typeface="Aptos" panose="020B0004020202020204" pitchFamily="34" charset="0"/>
               <a:ea typeface="Aptos" panose="020B0004020202020204" pitchFamily="34" charset="0"/>
               <a:cs typeface="Times New Roman" panose="02020603050405020304" pitchFamily="18" charset="0"/>
@@ -4661,7 +4645,7 @@
               </a:spcAft>
             </a:pPr>
             <a:r>
-              <a:rPr lang="it-IT" sz="4400" kern="100" dirty="0" err="1">
+              <a:rPr lang="it-IT" sz="4800" kern="100" dirty="0" err="1">
                 <a:latin typeface="Aptos" panose="020B0004020202020204" pitchFamily="34" charset="0"/>
                 <a:ea typeface="Aptos" panose="020B0004020202020204" pitchFamily="34" charset="0"/>
                 <a:cs typeface="Times New Roman" panose="02020603050405020304" pitchFamily="18" charset="0"/>
@@ -4669,7 +4653,7 @@
               <a:t>Restful</a:t>
             </a:r>
             <a:r>
-              <a:rPr lang="it-IT" sz="4400" kern="100" dirty="0">
+              <a:rPr lang="it-IT" sz="4800" kern="100" dirty="0">
                 <a:latin typeface="Aptos" panose="020B0004020202020204" pitchFamily="34" charset="0"/>
                 <a:ea typeface="Aptos" panose="020B0004020202020204" pitchFamily="34" charset="0"/>
                 <a:cs typeface="Times New Roman" panose="02020603050405020304" pitchFamily="18" charset="0"/>
@@ -4677,7 +4661,7 @@
               <a:t> API : Implementare API che il </a:t>
             </a:r>
             <a:r>
-              <a:rPr lang="it-IT" sz="4400" kern="100" dirty="0" err="1">
+              <a:rPr lang="it-IT" sz="4800" kern="100" dirty="0" err="1">
                 <a:latin typeface="Aptos" panose="020B0004020202020204" pitchFamily="34" charset="0"/>
                 <a:ea typeface="Aptos" panose="020B0004020202020204" pitchFamily="34" charset="0"/>
                 <a:cs typeface="Times New Roman" panose="02020603050405020304" pitchFamily="18" charset="0"/>
@@ -4685,31 +4669,15 @@
               <a:t>Frontend</a:t>
             </a:r>
             <a:r>
-              <a:rPr lang="it-IT" sz="4400" kern="100" dirty="0">
+              <a:rPr lang="it-IT" sz="4800" kern="100" dirty="0">
                 <a:latin typeface="Aptos" panose="020B0004020202020204" pitchFamily="34" charset="0"/>
                 <a:ea typeface="Aptos" panose="020B0004020202020204" pitchFamily="34" charset="0"/>
                 <a:cs typeface="Times New Roman" panose="02020603050405020304" pitchFamily="18" charset="0"/>
               </a:rPr>
-              <a:t> </a:t>
-            </a:r>
-            <a:r>
-              <a:rPr lang="it-IT" sz="4400" kern="100" dirty="0" err="1">
-                <a:latin typeface="Aptos" panose="020B0004020202020204" pitchFamily="34" charset="0"/>
-                <a:ea typeface="Aptos" panose="020B0004020202020204" pitchFamily="34" charset="0"/>
-                <a:cs typeface="Times New Roman" panose="02020603050405020304" pitchFamily="18" charset="0"/>
-              </a:rPr>
-              <a:t>utilizzera</a:t>
-            </a:r>
-            <a:r>
-              <a:rPr lang="it-IT" sz="4400" kern="100" dirty="0">
-                <a:latin typeface="Aptos" panose="020B0004020202020204" pitchFamily="34" charset="0"/>
-                <a:ea typeface="Aptos" panose="020B0004020202020204" pitchFamily="34" charset="0"/>
-                <a:cs typeface="Times New Roman" panose="02020603050405020304" pitchFamily="18" charset="0"/>
-              </a:rPr>
-              <a:t> per interagire con il </a:t>
-            </a:r>
-            <a:r>
-              <a:rPr lang="it-IT" sz="4400" kern="100" dirty="0" err="1">
+              <a:t> utilizzerà per interagire con il </a:t>
+            </a:r>
+            <a:r>
+              <a:rPr lang="it-IT" sz="4800" kern="100" dirty="0" err="1">
                 <a:latin typeface="Aptos" panose="020B0004020202020204" pitchFamily="34" charset="0"/>
                 <a:ea typeface="Aptos" panose="020B0004020202020204" pitchFamily="34" charset="0"/>
                 <a:cs typeface="Times New Roman" panose="02020603050405020304" pitchFamily="18" charset="0"/>
@@ -4717,31 +4685,15 @@
               <a:t>backend</a:t>
             </a:r>
             <a:r>
-              <a:rPr lang="it-IT" sz="4400" kern="100" dirty="0">
+              <a:rPr lang="it-IT" sz="4800" kern="100" dirty="0">
                 <a:latin typeface="Aptos" panose="020B0004020202020204" pitchFamily="34" charset="0"/>
                 <a:ea typeface="Aptos" panose="020B0004020202020204" pitchFamily="34" charset="0"/>
                 <a:cs typeface="Times New Roman" panose="02020603050405020304" pitchFamily="18" charset="0"/>
               </a:rPr>
-              <a:t> (es  </a:t>
-            </a:r>
-            <a:r>
-              <a:rPr lang="it-IT" sz="4400" kern="100" dirty="0" err="1">
-                <a:latin typeface="Aptos" panose="020B0004020202020204" pitchFamily="34" charset="0"/>
-                <a:ea typeface="Aptos" panose="020B0004020202020204" pitchFamily="34" charset="0"/>
-                <a:cs typeface="Times New Roman" panose="02020603050405020304" pitchFamily="18" charset="0"/>
-              </a:rPr>
-              <a:t>modalita</a:t>
-            </a:r>
-            <a:r>
-              <a:rPr lang="it-IT" sz="4400" kern="100" dirty="0">
-                <a:latin typeface="Aptos" panose="020B0004020202020204" pitchFamily="34" charset="0"/>
-                <a:ea typeface="Aptos" panose="020B0004020202020204" pitchFamily="34" charset="0"/>
-                <a:cs typeface="Times New Roman" panose="02020603050405020304" pitchFamily="18" charset="0"/>
-              </a:rPr>
-              <a:t> di pagamento </a:t>
-            </a:r>
-            <a:r>
-              <a:rPr lang="it-IT" sz="4400" kern="100" dirty="0" err="1">
+              <a:t> (es  modalità di pagamento </a:t>
+            </a:r>
+            <a:r>
+              <a:rPr lang="it-IT" sz="4800" kern="100" dirty="0" err="1">
                 <a:latin typeface="Aptos" panose="020B0004020202020204" pitchFamily="34" charset="0"/>
                 <a:ea typeface="Aptos" panose="020B0004020202020204" pitchFamily="34" charset="0"/>
                 <a:cs typeface="Times New Roman" panose="02020603050405020304" pitchFamily="18" charset="0"/>
@@ -4749,7 +4701,7 @@
               <a:t>paypal</a:t>
             </a:r>
             <a:r>
-              <a:rPr lang="it-IT" sz="4400" kern="100" dirty="0">
+              <a:rPr lang="it-IT" sz="4800" kern="100" dirty="0">
                 <a:latin typeface="Aptos" panose="020B0004020202020204" pitchFamily="34" charset="0"/>
                 <a:ea typeface="Aptos" panose="020B0004020202020204" pitchFamily="34" charset="0"/>
                 <a:cs typeface="Times New Roman" panose="02020603050405020304" pitchFamily="18" charset="0"/>
@@ -4757,7 +4709,7 @@
               <a:t>, visa </a:t>
             </a:r>
             <a:r>
-              <a:rPr lang="it-IT" sz="4400" kern="100" dirty="0" err="1">
+              <a:rPr lang="it-IT" sz="4800" kern="100" dirty="0" err="1">
                 <a:latin typeface="Aptos" panose="020B0004020202020204" pitchFamily="34" charset="0"/>
                 <a:ea typeface="Aptos" panose="020B0004020202020204" pitchFamily="34" charset="0"/>
                 <a:cs typeface="Times New Roman" panose="02020603050405020304" pitchFamily="18" charset="0"/>
@@ -4765,7 +4717,7 @@
               <a:t>ecc</a:t>
             </a:r>
             <a:r>
-              <a:rPr lang="it-IT" sz="4400" kern="100" dirty="0">
+              <a:rPr lang="it-IT" sz="4800" kern="100" dirty="0">
                 <a:latin typeface="Aptos" panose="020B0004020202020204" pitchFamily="34" charset="0"/>
                 <a:ea typeface="Aptos" panose="020B0004020202020204" pitchFamily="34" charset="0"/>
                 <a:cs typeface="Times New Roman" panose="02020603050405020304" pitchFamily="18" charset="0"/>

--- a/AssicuraMe.pptx
+++ b/AssicuraMe.pptx
@@ -4595,7 +4595,7 @@
                 <a:ea typeface="Aptos" panose="020B0004020202020204" pitchFamily="34" charset="0"/>
                 <a:cs typeface="Times New Roman" panose="02020603050405020304" pitchFamily="18" charset="0"/>
               </a:rPr>
-              <a:t>Beckend</a:t>
+              <a:t>Backend</a:t>
             </a:r>
             <a:r>
               <a:rPr lang="it-IT" sz="4800" kern="100" dirty="0">
@@ -4674,15 +4674,15 @@
                 <a:ea typeface="Aptos" panose="020B0004020202020204" pitchFamily="34" charset="0"/>
                 <a:cs typeface="Times New Roman" panose="02020603050405020304" pitchFamily="18" charset="0"/>
               </a:rPr>
-              <a:t> utilizzerà per interagire con il </a:t>
-            </a:r>
-            <a:r>
-              <a:rPr lang="it-IT" sz="4800" kern="100" dirty="0" err="1">
+              <a:t> utilizzerà per interagire con il B</a:t>
+            </a:r>
+            <a:r>
+              <a:rPr lang="it-IT" sz="4800" kern="100">
                 <a:latin typeface="Aptos" panose="020B0004020202020204" pitchFamily="34" charset="0"/>
                 <a:ea typeface="Aptos" panose="020B0004020202020204" pitchFamily="34" charset="0"/>
                 <a:cs typeface="Times New Roman" panose="02020603050405020304" pitchFamily="18" charset="0"/>
               </a:rPr>
-              <a:t>backend</a:t>
+              <a:t>ackend</a:t>
             </a:r>
             <a:r>
               <a:rPr lang="it-IT" sz="4800" kern="100" dirty="0">

--- a/AssicuraMe.pptx
+++ b/AssicuraMe.pptx
@@ -4453,7 +4453,7 @@
         <p:spPr>
           <a:xfrm>
             <a:off x="85917" y="2432807"/>
-            <a:ext cx="7763194" cy="3869802"/>
+            <a:ext cx="7855248" cy="3869802"/>
           </a:xfrm>
         </p:spPr>
         <p:txBody>
@@ -4674,15 +4674,15 @@
                 <a:ea typeface="Aptos" panose="020B0004020202020204" pitchFamily="34" charset="0"/>
                 <a:cs typeface="Times New Roman" panose="02020603050405020304" pitchFamily="18" charset="0"/>
               </a:rPr>
-              <a:t> utilizzerà per interagire con il B</a:t>
-            </a:r>
-            <a:r>
-              <a:rPr lang="it-IT" sz="4800" kern="100">
+              <a:t> utilizzerà per interagire con il </a:t>
+            </a:r>
+            <a:r>
+              <a:rPr lang="it-IT" sz="4800" kern="100" dirty="0" err="1">
                 <a:latin typeface="Aptos" panose="020B0004020202020204" pitchFamily="34" charset="0"/>
                 <a:ea typeface="Aptos" panose="020B0004020202020204" pitchFamily="34" charset="0"/>
                 <a:cs typeface="Times New Roman" panose="02020603050405020304" pitchFamily="18" charset="0"/>
               </a:rPr>
-              <a:t>ackend</a:t>
+              <a:t>Backend</a:t>
             </a:r>
             <a:r>
               <a:rPr lang="it-IT" sz="4800" kern="100" dirty="0">

--- a/AssicuraMe.pptx
+++ b/AssicuraMe.pptx
@@ -4493,21 +4493,29 @@
               <a:t>Frontend</a:t>
             </a:r>
             <a:r>
+              <a:rPr lang="it-IT" sz="4800" kern="100">
+                <a:latin typeface="Aptos" panose="020B0004020202020204" pitchFamily="34" charset="0"/>
+                <a:ea typeface="Aptos" panose="020B0004020202020204" pitchFamily="34" charset="0"/>
+                <a:cs typeface="Times New Roman" panose="02020603050405020304" pitchFamily="18" charset="0"/>
+              </a:rPr>
+              <a:t>: </a:t>
+            </a:r>
+            <a:r>
+              <a:rPr lang="it-IT" sz="4800" kern="100">
+                <a:effectLst/>
+                <a:latin typeface="Aptos" panose="020B0004020202020204" pitchFamily="34" charset="0"/>
+                <a:ea typeface="Aptos" panose="020B0004020202020204" pitchFamily="34" charset="0"/>
+                <a:cs typeface="Times New Roman" panose="02020603050405020304" pitchFamily="18" charset="0"/>
+              </a:rPr>
+              <a:t>HTML </a:t>
+            </a:r>
+            <a:r>
               <a:rPr lang="it-IT" sz="4800" kern="100" dirty="0">
                 <a:latin typeface="Aptos" panose="020B0004020202020204" pitchFamily="34" charset="0"/>
                 <a:ea typeface="Aptos" panose="020B0004020202020204" pitchFamily="34" charset="0"/>
                 <a:cs typeface="Times New Roman" panose="02020603050405020304" pitchFamily="18" charset="0"/>
               </a:rPr>
-              <a:t>:  </a:t>
-            </a:r>
-            <a:r>
-              <a:rPr lang="it-IT" sz="4800" kern="100" dirty="0" err="1">
-                <a:effectLst/>
-                <a:latin typeface="Aptos" panose="020B0004020202020204" pitchFamily="34" charset="0"/>
-                <a:ea typeface="Aptos" panose="020B0004020202020204" pitchFamily="34" charset="0"/>
-                <a:cs typeface="Times New Roman" panose="02020603050405020304" pitchFamily="18" charset="0"/>
-              </a:rPr>
-              <a:t>HTML</a:t>
+              <a:t>,CSS, </a:t>
             </a:r>
             <a:r>
               <a:rPr lang="it-IT" sz="4800" kern="100" dirty="0" err="1">
@@ -4515,7 +4523,7 @@
                 <a:ea typeface="Aptos" panose="020B0004020202020204" pitchFamily="34" charset="0"/>
                 <a:cs typeface="Times New Roman" panose="02020603050405020304" pitchFamily="18" charset="0"/>
               </a:rPr>
-              <a:t>,CSS,JavaScrip</a:t>
+              <a:t>JavaScrip</a:t>
             </a:r>
             <a:r>
               <a:rPr lang="it-IT" sz="4800" kern="100" dirty="0">
@@ -4523,7 +4531,7 @@
                 <a:ea typeface="Aptos" panose="020B0004020202020204" pitchFamily="34" charset="0"/>
                 <a:cs typeface="Times New Roman" panose="02020603050405020304" pitchFamily="18" charset="0"/>
               </a:rPr>
-              <a:t> </a:t>
+              <a:t>. </a:t>
             </a:r>
           </a:p>
           <a:p>
@@ -4541,7 +4549,7 @@
                 <a:ea typeface="Aptos" panose="020B0004020202020204" pitchFamily="34" charset="0"/>
                 <a:cs typeface="Times New Roman" panose="02020603050405020304" pitchFamily="18" charset="0"/>
               </a:rPr>
-              <a:t>HTML: per  la struttura del sito</a:t>
+              <a:t>HTML: per  la struttura del sito.</a:t>
             </a:r>
           </a:p>
           <a:p>
@@ -4559,7 +4567,7 @@
                 <a:ea typeface="Aptos" panose="020B0004020202020204" pitchFamily="34" charset="0"/>
                 <a:cs typeface="Times New Roman" panose="02020603050405020304" pitchFamily="18" charset="0"/>
               </a:rPr>
-              <a:t>CSS: per lo stile e la rappresentazione visiva</a:t>
+              <a:t>CSS: per lo stile e la rappresentazione visiva.</a:t>
             </a:r>
           </a:p>
           <a:p>
@@ -4577,7 +4585,7 @@
                 <a:ea typeface="Aptos" panose="020B0004020202020204" pitchFamily="34" charset="0"/>
                 <a:cs typeface="Times New Roman" panose="02020603050405020304" pitchFamily="18" charset="0"/>
               </a:rPr>
-              <a:t>JavaScript: per l’interattività (come calcolatori di preventivo e validazione del modulo)</a:t>
+              <a:t>JavaScript: per l’interattività (come calcolatori di preventivo e validazione del modulo).</a:t>
             </a:r>
           </a:p>
           <a:p>
@@ -4619,7 +4627,7 @@
                 <a:ea typeface="Aptos" panose="020B0004020202020204" pitchFamily="34" charset="0"/>
                 <a:cs typeface="Times New Roman" panose="02020603050405020304" pitchFamily="18" charset="0"/>
               </a:rPr>
-              <a:t>   sarà la parte essenziale per gestire la logica del server l’autenticazione , gestione dati e le API per gestire il </a:t>
+              <a:t> sarà la parte essenziale per gestire la logica del server l’autenticazione , gestione dati e le API per gestire il </a:t>
             </a:r>
             <a:r>
               <a:rPr lang="it-IT" sz="4800" kern="100" dirty="0" err="1">
@@ -4629,11 +4637,14 @@
               </a:rPr>
               <a:t>Frontend</a:t>
             </a:r>
-            <a:endParaRPr lang="it-IT" sz="4800" kern="100" dirty="0">
-              <a:latin typeface="Aptos" panose="020B0004020202020204" pitchFamily="34" charset="0"/>
-              <a:ea typeface="Aptos" panose="020B0004020202020204" pitchFamily="34" charset="0"/>
-              <a:cs typeface="Times New Roman" panose="02020603050405020304" pitchFamily="18" charset="0"/>
-            </a:endParaRPr>
+            <a:r>
+              <a:rPr lang="it-IT" sz="4800" kern="100" dirty="0">
+                <a:latin typeface="Aptos" panose="020B0004020202020204" pitchFamily="34" charset="0"/>
+                <a:ea typeface="Aptos" panose="020B0004020202020204" pitchFamily="34" charset="0"/>
+                <a:cs typeface="Times New Roman" panose="02020603050405020304" pitchFamily="18" charset="0"/>
+              </a:rPr>
+              <a:t>.</a:t>
+            </a:r>
           </a:p>
           <a:p>
             <a:pPr>
@@ -4722,7 +4733,7 @@
                 <a:ea typeface="Aptos" panose="020B0004020202020204" pitchFamily="34" charset="0"/>
                 <a:cs typeface="Times New Roman" panose="02020603050405020304" pitchFamily="18" charset="0"/>
               </a:rPr>
-              <a:t>)</a:t>
+              <a:t>).</a:t>
             </a:r>
           </a:p>
           <a:p>

--- a/AssicuraMe.pptx
+++ b/AssicuraMe.pptx
@@ -4493,7 +4493,7 @@
               <a:t>Frontend</a:t>
             </a:r>
             <a:r>
-              <a:rPr lang="it-IT" sz="4800" kern="100">
+              <a:rPr lang="it-IT" sz="4800" kern="100" dirty="0">
                 <a:latin typeface="Aptos" panose="020B0004020202020204" pitchFamily="34" charset="0"/>
                 <a:ea typeface="Aptos" panose="020B0004020202020204" pitchFamily="34" charset="0"/>
                 <a:cs typeface="Times New Roman" panose="02020603050405020304" pitchFamily="18" charset="0"/>
@@ -4501,7 +4501,7 @@
               <a:t>: </a:t>
             </a:r>
             <a:r>
-              <a:rPr lang="it-IT" sz="4800" kern="100">
+              <a:rPr lang="it-IT" sz="4800" kern="100" dirty="0">
                 <a:effectLst/>
                 <a:latin typeface="Aptos" panose="020B0004020202020204" pitchFamily="34" charset="0"/>
                 <a:ea typeface="Aptos" panose="020B0004020202020204" pitchFamily="34" charset="0"/>
@@ -4549,7 +4549,7 @@
                 <a:ea typeface="Aptos" panose="020B0004020202020204" pitchFamily="34" charset="0"/>
                 <a:cs typeface="Times New Roman" panose="02020603050405020304" pitchFamily="18" charset="0"/>
               </a:rPr>
-              <a:t>HTML: per  la struttura del sito.</a:t>
+              <a:t>HTML: per la struttura del sito.</a:t>
             </a:r>
           </a:p>
           <a:p>

--- a/AssicuraMe.pptx
+++ b/AssicuraMe.pptx
@@ -4728,13 +4728,18 @@
               <a:t>ecc</a:t>
             </a:r>
             <a:r>
-              <a:rPr lang="it-IT" sz="4800" kern="100" dirty="0">
+              <a:rPr lang="it-IT" sz="4800" kern="100">
                 <a:latin typeface="Aptos" panose="020B0004020202020204" pitchFamily="34" charset="0"/>
                 <a:ea typeface="Aptos" panose="020B0004020202020204" pitchFamily="34" charset="0"/>
                 <a:cs typeface="Times New Roman" panose="02020603050405020304" pitchFamily="18" charset="0"/>
               </a:rPr>
               <a:t>).</a:t>
             </a:r>
+            <a:endParaRPr lang="it-IT" sz="4800" kern="100" dirty="0">
+              <a:latin typeface="Aptos" panose="020B0004020202020204" pitchFamily="34" charset="0"/>
+              <a:ea typeface="Aptos" panose="020B0004020202020204" pitchFamily="34" charset="0"/>
+              <a:cs typeface="Times New Roman" panose="02020603050405020304" pitchFamily="18" charset="0"/>
+            </a:endParaRPr>
           </a:p>
           <a:p>
             <a:pPr>
